--- a/문서/시나리오에 따른 공정 시뮬레이션 발표 - 오영택.pptx
+++ b/문서/시나리오에 따른 공정 시뮬레이션 발표 - 오영택.pptx
@@ -25118,7 +25118,7 @@
         <p:spPr>
           <a:xfrm>
             <a:off x="1055440" y="1268760"/>
-            <a:ext cx="1641796" cy="369332"/>
+            <a:ext cx="2021387" cy="369332"/>
           </a:xfrm>
           <a:prstGeom prst="rect">
             <a:avLst/>
@@ -25133,8 +25133,12 @@
           <a:p>
             <a:pPr algn="ctr"/>
             <a:r>
+              <a:rPr lang="en-US" altLang="ko-KR" dirty="0" err="1"/>
+              <a:t>WAiSER</a:t>
+            </a:r>
+            <a:r>
               <a:rPr lang="en-US" altLang="ko-KR" dirty="0"/>
-              <a:t>C++ </a:t>
+              <a:t> </a:t>
             </a:r>
             <a:r>
               <a:rPr lang="ko-KR" altLang="en-US" dirty="0">
@@ -25822,12 +25826,218 @@
           </a:p>
         </p:txBody>
       </p:sp>
+      <p:sp>
+        <p:nvSpPr>
+          <p:cNvPr id="17" name="TextBox 16">
+            <a:extLst>
+              <a:ext uri="{FF2B5EF4-FFF2-40B4-BE49-F238E27FC236}">
+                <a16:creationId xmlns:a16="http://schemas.microsoft.com/office/drawing/2014/main" id="{1E77805E-4FE8-7F68-5F29-DFA73EE7B1ED}"/>
+              </a:ext>
+            </a:extLst>
+          </p:cNvPr>
+          <p:cNvSpPr txBox="1"/>
+          <p:nvPr/>
+        </p:nvSpPr>
+        <p:spPr>
+          <a:xfrm>
+            <a:off x="7536160" y="3140968"/>
+            <a:ext cx="3635354" cy="1880195"/>
+          </a:xfrm>
+          <a:prstGeom prst="rect">
+            <a:avLst/>
+          </a:prstGeom>
+          <a:noFill/>
+        </p:spPr>
+        <p:txBody>
+          <a:bodyPr wrap="none" rtlCol="0">
+            <a:spAutoFit/>
+          </a:bodyPr>
+          <a:lstStyle/>
+          <a:p>
+            <a:pPr>
+              <a:lnSpc>
+                <a:spcPct val="200000"/>
+              </a:lnSpc>
+            </a:pPr>
+            <a:r>
+              <a:rPr lang="en-US" altLang="ko-KR" sz="1200" dirty="0" err="1">
+                <a:latin typeface="맑은 고딕" panose="020B0503020000020004" pitchFamily="50" charset="-127"/>
+                <a:ea typeface="맑은 고딕" panose="020B0503020000020004" pitchFamily="50" charset="-127"/>
+              </a:rPr>
+              <a:t>project_id</a:t>
+            </a:r>
+            <a:r>
+              <a:rPr lang="en-US" altLang="ko-KR" sz="1200" dirty="0">
+                <a:latin typeface="맑은 고딕" panose="020B0503020000020004" pitchFamily="50" charset="-127"/>
+                <a:ea typeface="맑은 고딕" panose="020B0503020000020004" pitchFamily="50" charset="-127"/>
+              </a:rPr>
+              <a:t> : </a:t>
+            </a:r>
+            <a:r>
+              <a:rPr lang="ko-KR" altLang="en-US" sz="1200" dirty="0">
+                <a:latin typeface="맑은 고딕" panose="020B0503020000020004" pitchFamily="50" charset="-127"/>
+                <a:ea typeface="맑은 고딕" panose="020B0503020000020004" pitchFamily="50" charset="-127"/>
+              </a:rPr>
+              <a:t>시나리오별 아이디</a:t>
+            </a:r>
+            <a:r>
+              <a:rPr lang="en-US" altLang="ko-KR" sz="1200" dirty="0">
+                <a:latin typeface="맑은 고딕" panose="020B0503020000020004" pitchFamily="50" charset="-127"/>
+                <a:ea typeface="맑은 고딕" panose="020B0503020000020004" pitchFamily="50" charset="-127"/>
+              </a:rPr>
+              <a:t> </a:t>
+            </a:r>
+            <a:r>
+              <a:rPr lang="ko-KR" altLang="en-US" sz="1200" dirty="0">
+                <a:latin typeface="맑은 고딕" panose="020B0503020000020004" pitchFamily="50" charset="-127"/>
+                <a:ea typeface="맑은 고딕" panose="020B0503020000020004" pitchFamily="50" charset="-127"/>
+              </a:rPr>
+              <a:t>값</a:t>
+            </a:r>
+            <a:endParaRPr lang="en-US" altLang="ko-KR" sz="1200" dirty="0">
+              <a:latin typeface="맑은 고딕" panose="020B0503020000020004" pitchFamily="50" charset="-127"/>
+              <a:ea typeface="맑은 고딕" panose="020B0503020000020004" pitchFamily="50" charset="-127"/>
+            </a:endParaRPr>
+          </a:p>
+          <a:p>
+            <a:pPr>
+              <a:lnSpc>
+                <a:spcPct val="200000"/>
+              </a:lnSpc>
+            </a:pPr>
+            <a:r>
+              <a:rPr lang="en-US" altLang="ko-KR" sz="1200" dirty="0" err="1">
+                <a:latin typeface="맑은 고딕" panose="020B0503020000020004" pitchFamily="50" charset="-127"/>
+                <a:ea typeface="맑은 고딕" panose="020B0503020000020004" pitchFamily="50" charset="-127"/>
+              </a:rPr>
+              <a:t>project_name</a:t>
+            </a:r>
+            <a:r>
+              <a:rPr lang="en-US" altLang="ko-KR" sz="1200" dirty="0">
+                <a:latin typeface="맑은 고딕" panose="020B0503020000020004" pitchFamily="50" charset="-127"/>
+                <a:ea typeface="맑은 고딕" panose="020B0503020000020004" pitchFamily="50" charset="-127"/>
+              </a:rPr>
+              <a:t> : </a:t>
+            </a:r>
+            <a:r>
+              <a:rPr lang="ko-KR" altLang="en-US" sz="1200" dirty="0">
+                <a:latin typeface="맑은 고딕" panose="020B0503020000020004" pitchFamily="50" charset="-127"/>
+                <a:ea typeface="맑은 고딕" panose="020B0503020000020004" pitchFamily="50" charset="-127"/>
+              </a:rPr>
+              <a:t>시나리오별 프로젝트 이름 문자열</a:t>
+            </a:r>
+            <a:endParaRPr lang="en-US" altLang="ko-KR" sz="1200" dirty="0">
+              <a:latin typeface="맑은 고딕" panose="020B0503020000020004" pitchFamily="50" charset="-127"/>
+              <a:ea typeface="맑은 고딕" panose="020B0503020000020004" pitchFamily="50" charset="-127"/>
+            </a:endParaRPr>
+          </a:p>
+          <a:p>
+            <a:pPr>
+              <a:lnSpc>
+                <a:spcPct val="200000"/>
+              </a:lnSpc>
+            </a:pPr>
+            <a:r>
+              <a:rPr lang="en-US" altLang="ko-KR" sz="1200" dirty="0">
+                <a:latin typeface="맑은 고딕" panose="020B0503020000020004" pitchFamily="50" charset="-127"/>
+                <a:ea typeface="맑은 고딕" panose="020B0503020000020004" pitchFamily="50" charset="-127"/>
+              </a:rPr>
+              <a:t>x, y : </a:t>
+            </a:r>
+            <a:r>
+              <a:rPr lang="ko-KR" altLang="en-US" sz="1200" dirty="0">
+                <a:latin typeface="맑은 고딕" panose="020B0503020000020004" pitchFamily="50" charset="-127"/>
+                <a:ea typeface="맑은 고딕" panose="020B0503020000020004" pitchFamily="50" charset="-127"/>
+              </a:rPr>
+              <a:t>타일의 </a:t>
+            </a:r>
+            <a:r>
+              <a:rPr lang="en-US" altLang="ko-KR" sz="1200" dirty="0">
+                <a:latin typeface="맑은 고딕" panose="020B0503020000020004" pitchFamily="50" charset="-127"/>
+                <a:ea typeface="맑은 고딕" panose="020B0503020000020004" pitchFamily="50" charset="-127"/>
+              </a:rPr>
+              <a:t>x, y </a:t>
+            </a:r>
+            <a:r>
+              <a:rPr lang="ko-KR" altLang="en-US" sz="1200" dirty="0">
+                <a:latin typeface="맑은 고딕" panose="020B0503020000020004" pitchFamily="50" charset="-127"/>
+                <a:ea typeface="맑은 고딕" panose="020B0503020000020004" pitchFamily="50" charset="-127"/>
+              </a:rPr>
+              <a:t>값</a:t>
+            </a:r>
+            <a:endParaRPr lang="en-US" altLang="ko-KR" sz="1200" dirty="0">
+              <a:latin typeface="맑은 고딕" panose="020B0503020000020004" pitchFamily="50" charset="-127"/>
+              <a:ea typeface="맑은 고딕" panose="020B0503020000020004" pitchFamily="50" charset="-127"/>
+            </a:endParaRPr>
+          </a:p>
+          <a:p>
+            <a:pPr>
+              <a:lnSpc>
+                <a:spcPct val="200000"/>
+              </a:lnSpc>
+            </a:pPr>
+            <a:r>
+              <a:rPr lang="en-US" altLang="ko-KR" sz="1200" dirty="0" err="1">
+                <a:latin typeface="맑은 고딕" panose="020B0503020000020004" pitchFamily="50" charset="-127"/>
+                <a:ea typeface="맑은 고딕" panose="020B0503020000020004" pitchFamily="50" charset="-127"/>
+              </a:rPr>
+              <a:t>sim_start_time</a:t>
+            </a:r>
+            <a:r>
+              <a:rPr lang="en-US" altLang="ko-KR" sz="1200" dirty="0">
+                <a:latin typeface="맑은 고딕" panose="020B0503020000020004" pitchFamily="50" charset="-127"/>
+                <a:ea typeface="맑은 고딕" panose="020B0503020000020004" pitchFamily="50" charset="-127"/>
+              </a:rPr>
+              <a:t> : </a:t>
+            </a:r>
+            <a:r>
+              <a:rPr lang="ko-KR" altLang="en-US" sz="1200" dirty="0">
+                <a:latin typeface="맑은 고딕" panose="020B0503020000020004" pitchFamily="50" charset="-127"/>
+                <a:ea typeface="맑은 고딕" panose="020B0503020000020004" pitchFamily="50" charset="-127"/>
+              </a:rPr>
+              <a:t>시뮬레이션 시작 시간</a:t>
+            </a:r>
+            <a:endParaRPr lang="en-US" altLang="ko-KR" sz="1200" dirty="0">
+              <a:latin typeface="맑은 고딕" panose="020B0503020000020004" pitchFamily="50" charset="-127"/>
+              <a:ea typeface="맑은 고딕" panose="020B0503020000020004" pitchFamily="50" charset="-127"/>
+            </a:endParaRPr>
+          </a:p>
+          <a:p>
+            <a:pPr>
+              <a:lnSpc>
+                <a:spcPct val="200000"/>
+              </a:lnSpc>
+            </a:pPr>
+            <a:r>
+              <a:rPr lang="en-US" altLang="ko-KR" sz="1200" dirty="0" err="1">
+                <a:latin typeface="맑은 고딕" panose="020B0503020000020004" pitchFamily="50" charset="-127"/>
+                <a:ea typeface="맑은 고딕" panose="020B0503020000020004" pitchFamily="50" charset="-127"/>
+              </a:rPr>
+              <a:t>sim_end_time</a:t>
+            </a:r>
+            <a:r>
+              <a:rPr lang="en-US" altLang="ko-KR" sz="1200" dirty="0">
+                <a:latin typeface="맑은 고딕" panose="020B0503020000020004" pitchFamily="50" charset="-127"/>
+                <a:ea typeface="맑은 고딕" panose="020B0503020000020004" pitchFamily="50" charset="-127"/>
+              </a:rPr>
+              <a:t> : </a:t>
+            </a:r>
+            <a:r>
+              <a:rPr lang="ko-KR" altLang="en-US" sz="1200" dirty="0">
+                <a:latin typeface="맑은 고딕" panose="020B0503020000020004" pitchFamily="50" charset="-127"/>
+                <a:ea typeface="맑은 고딕" panose="020B0503020000020004" pitchFamily="50" charset="-127"/>
+              </a:rPr>
+              <a:t>시뮬레이션 끝나는 시간</a:t>
+            </a:r>
+          </a:p>
+        </p:txBody>
+      </p:sp>
       <p:pic>
         <p:nvPicPr>
-          <p:cNvPr id="14" name="그림 13">
-            <a:extLst>
-              <a:ext uri="{FF2B5EF4-FFF2-40B4-BE49-F238E27FC236}">
-                <a16:creationId xmlns:a16="http://schemas.microsoft.com/office/drawing/2014/main" id="{F63F71CC-E584-C1BF-2437-F825005A0E6C}"/>
+          <p:cNvPr id="21" name="그림 20">
+            <a:extLst>
+              <a:ext uri="{FF2B5EF4-FFF2-40B4-BE49-F238E27FC236}">
+                <a16:creationId xmlns:a16="http://schemas.microsoft.com/office/drawing/2014/main" id="{7DC2CA7C-C099-F744-94BA-1E246096178E}"/>
               </a:ext>
             </a:extLst>
           </p:cNvPr>
@@ -25838,242 +26048,6 @@
         </p:nvPicPr>
         <p:blipFill>
           <a:blip r:embed="rId3"/>
-          <a:stretch>
-            <a:fillRect/>
-          </a:stretch>
-        </p:blipFill>
-        <p:spPr>
-          <a:xfrm>
-            <a:off x="472786" y="1268760"/>
-            <a:ext cx="11246428" cy="1054154"/>
-          </a:xfrm>
-          <a:prstGeom prst="rect">
-            <a:avLst/>
-          </a:prstGeom>
-        </p:spPr>
-      </p:pic>
-      <p:sp>
-        <p:nvSpPr>
-          <p:cNvPr id="17" name="TextBox 16">
-            <a:extLst>
-              <a:ext uri="{FF2B5EF4-FFF2-40B4-BE49-F238E27FC236}">
-                <a16:creationId xmlns:a16="http://schemas.microsoft.com/office/drawing/2014/main" id="{1E77805E-4FE8-7F68-5F29-DFA73EE7B1ED}"/>
-              </a:ext>
-            </a:extLst>
-          </p:cNvPr>
-          <p:cNvSpPr txBox="1"/>
-          <p:nvPr/>
-        </p:nvSpPr>
-        <p:spPr>
-          <a:xfrm>
-            <a:off x="7536160" y="3140968"/>
-            <a:ext cx="3635354" cy="1880195"/>
-          </a:xfrm>
-          <a:prstGeom prst="rect">
-            <a:avLst/>
-          </a:prstGeom>
-          <a:noFill/>
-        </p:spPr>
-        <p:txBody>
-          <a:bodyPr wrap="none" rtlCol="0">
-            <a:spAutoFit/>
-          </a:bodyPr>
-          <a:lstStyle/>
-          <a:p>
-            <a:pPr>
-              <a:lnSpc>
-                <a:spcPct val="200000"/>
-              </a:lnSpc>
-            </a:pPr>
-            <a:r>
-              <a:rPr lang="en-US" altLang="ko-KR" sz="1200" dirty="0" err="1">
-                <a:latin typeface="맑은 고딕" panose="020B0503020000020004" pitchFamily="50" charset="-127"/>
-                <a:ea typeface="맑은 고딕" panose="020B0503020000020004" pitchFamily="50" charset="-127"/>
-              </a:rPr>
-              <a:t>project_id</a:t>
-            </a:r>
-            <a:r>
-              <a:rPr lang="en-US" altLang="ko-KR" sz="1200" dirty="0">
-                <a:latin typeface="맑은 고딕" panose="020B0503020000020004" pitchFamily="50" charset="-127"/>
-                <a:ea typeface="맑은 고딕" panose="020B0503020000020004" pitchFamily="50" charset="-127"/>
-              </a:rPr>
-              <a:t> : </a:t>
-            </a:r>
-            <a:r>
-              <a:rPr lang="ko-KR" altLang="en-US" sz="1200" dirty="0">
-                <a:latin typeface="맑은 고딕" panose="020B0503020000020004" pitchFamily="50" charset="-127"/>
-                <a:ea typeface="맑은 고딕" panose="020B0503020000020004" pitchFamily="50" charset="-127"/>
-              </a:rPr>
-              <a:t>시나리오별 아이디</a:t>
-            </a:r>
-            <a:r>
-              <a:rPr lang="en-US" altLang="ko-KR" sz="1200" dirty="0">
-                <a:latin typeface="맑은 고딕" panose="020B0503020000020004" pitchFamily="50" charset="-127"/>
-                <a:ea typeface="맑은 고딕" panose="020B0503020000020004" pitchFamily="50" charset="-127"/>
-              </a:rPr>
-              <a:t> </a:t>
-            </a:r>
-            <a:r>
-              <a:rPr lang="ko-KR" altLang="en-US" sz="1200" dirty="0">
-                <a:latin typeface="맑은 고딕" panose="020B0503020000020004" pitchFamily="50" charset="-127"/>
-                <a:ea typeface="맑은 고딕" panose="020B0503020000020004" pitchFamily="50" charset="-127"/>
-              </a:rPr>
-              <a:t>값</a:t>
-            </a:r>
-            <a:endParaRPr lang="en-US" altLang="ko-KR" sz="1200" dirty="0">
-              <a:latin typeface="맑은 고딕" panose="020B0503020000020004" pitchFamily="50" charset="-127"/>
-              <a:ea typeface="맑은 고딕" panose="020B0503020000020004" pitchFamily="50" charset="-127"/>
-            </a:endParaRPr>
-          </a:p>
-          <a:p>
-            <a:pPr>
-              <a:lnSpc>
-                <a:spcPct val="200000"/>
-              </a:lnSpc>
-            </a:pPr>
-            <a:r>
-              <a:rPr lang="en-US" altLang="ko-KR" sz="1200" dirty="0" err="1">
-                <a:latin typeface="맑은 고딕" panose="020B0503020000020004" pitchFamily="50" charset="-127"/>
-                <a:ea typeface="맑은 고딕" panose="020B0503020000020004" pitchFamily="50" charset="-127"/>
-              </a:rPr>
-              <a:t>project_name</a:t>
-            </a:r>
-            <a:r>
-              <a:rPr lang="en-US" altLang="ko-KR" sz="1200" dirty="0">
-                <a:latin typeface="맑은 고딕" panose="020B0503020000020004" pitchFamily="50" charset="-127"/>
-                <a:ea typeface="맑은 고딕" panose="020B0503020000020004" pitchFamily="50" charset="-127"/>
-              </a:rPr>
-              <a:t> : </a:t>
-            </a:r>
-            <a:r>
-              <a:rPr lang="ko-KR" altLang="en-US" sz="1200" dirty="0">
-                <a:latin typeface="맑은 고딕" panose="020B0503020000020004" pitchFamily="50" charset="-127"/>
-                <a:ea typeface="맑은 고딕" panose="020B0503020000020004" pitchFamily="50" charset="-127"/>
-              </a:rPr>
-              <a:t>시나리오별 프로젝트 이름 문자열</a:t>
-            </a:r>
-            <a:endParaRPr lang="en-US" altLang="ko-KR" sz="1200" dirty="0">
-              <a:latin typeface="맑은 고딕" panose="020B0503020000020004" pitchFamily="50" charset="-127"/>
-              <a:ea typeface="맑은 고딕" panose="020B0503020000020004" pitchFamily="50" charset="-127"/>
-            </a:endParaRPr>
-          </a:p>
-          <a:p>
-            <a:pPr>
-              <a:lnSpc>
-                <a:spcPct val="200000"/>
-              </a:lnSpc>
-            </a:pPr>
-            <a:r>
-              <a:rPr lang="en-US" altLang="ko-KR" sz="1200" dirty="0">
-                <a:latin typeface="맑은 고딕" panose="020B0503020000020004" pitchFamily="50" charset="-127"/>
-                <a:ea typeface="맑은 고딕" panose="020B0503020000020004" pitchFamily="50" charset="-127"/>
-              </a:rPr>
-              <a:t>x, y : </a:t>
-            </a:r>
-            <a:r>
-              <a:rPr lang="ko-KR" altLang="en-US" sz="1200" dirty="0">
-                <a:latin typeface="맑은 고딕" panose="020B0503020000020004" pitchFamily="50" charset="-127"/>
-                <a:ea typeface="맑은 고딕" panose="020B0503020000020004" pitchFamily="50" charset="-127"/>
-              </a:rPr>
-              <a:t>타일의 </a:t>
-            </a:r>
-            <a:r>
-              <a:rPr lang="en-US" altLang="ko-KR" sz="1200" dirty="0">
-                <a:latin typeface="맑은 고딕" panose="020B0503020000020004" pitchFamily="50" charset="-127"/>
-                <a:ea typeface="맑은 고딕" panose="020B0503020000020004" pitchFamily="50" charset="-127"/>
-              </a:rPr>
-              <a:t>x, y </a:t>
-            </a:r>
-            <a:r>
-              <a:rPr lang="ko-KR" altLang="en-US" sz="1200" dirty="0">
-                <a:latin typeface="맑은 고딕" panose="020B0503020000020004" pitchFamily="50" charset="-127"/>
-                <a:ea typeface="맑은 고딕" panose="020B0503020000020004" pitchFamily="50" charset="-127"/>
-              </a:rPr>
-              <a:t>값</a:t>
-            </a:r>
-            <a:endParaRPr lang="en-US" altLang="ko-KR" sz="1200" dirty="0">
-              <a:latin typeface="맑은 고딕" panose="020B0503020000020004" pitchFamily="50" charset="-127"/>
-              <a:ea typeface="맑은 고딕" panose="020B0503020000020004" pitchFamily="50" charset="-127"/>
-            </a:endParaRPr>
-          </a:p>
-          <a:p>
-            <a:pPr>
-              <a:lnSpc>
-                <a:spcPct val="200000"/>
-              </a:lnSpc>
-            </a:pPr>
-            <a:r>
-              <a:rPr lang="en-US" altLang="ko-KR" sz="1200" dirty="0" err="1">
-                <a:latin typeface="맑은 고딕" panose="020B0503020000020004" pitchFamily="50" charset="-127"/>
-                <a:ea typeface="맑은 고딕" panose="020B0503020000020004" pitchFamily="50" charset="-127"/>
-              </a:rPr>
-              <a:t>sim_start_time</a:t>
-            </a:r>
-            <a:r>
-              <a:rPr lang="en-US" altLang="ko-KR" sz="1200" dirty="0">
-                <a:latin typeface="맑은 고딕" panose="020B0503020000020004" pitchFamily="50" charset="-127"/>
-                <a:ea typeface="맑은 고딕" panose="020B0503020000020004" pitchFamily="50" charset="-127"/>
-              </a:rPr>
-              <a:t> : </a:t>
-            </a:r>
-            <a:r>
-              <a:rPr lang="ko-KR" altLang="en-US" sz="1200" dirty="0">
-                <a:latin typeface="맑은 고딕" panose="020B0503020000020004" pitchFamily="50" charset="-127"/>
-                <a:ea typeface="맑은 고딕" panose="020B0503020000020004" pitchFamily="50" charset="-127"/>
-              </a:rPr>
-              <a:t>시뮬레이션 시작 시간</a:t>
-            </a:r>
-            <a:endParaRPr lang="en-US" altLang="ko-KR" sz="1200" dirty="0">
-              <a:latin typeface="맑은 고딕" panose="020B0503020000020004" pitchFamily="50" charset="-127"/>
-              <a:ea typeface="맑은 고딕" panose="020B0503020000020004" pitchFamily="50" charset="-127"/>
-            </a:endParaRPr>
-          </a:p>
-          <a:p>
-            <a:pPr>
-              <a:lnSpc>
-                <a:spcPct val="200000"/>
-              </a:lnSpc>
-            </a:pPr>
-            <a:r>
-              <a:rPr lang="en-US" altLang="ko-KR" sz="1200" dirty="0" err="1">
-                <a:latin typeface="맑은 고딕" panose="020B0503020000020004" pitchFamily="50" charset="-127"/>
-                <a:ea typeface="맑은 고딕" panose="020B0503020000020004" pitchFamily="50" charset="-127"/>
-              </a:rPr>
-              <a:t>sim_end_time</a:t>
-            </a:r>
-            <a:r>
-              <a:rPr lang="en-US" altLang="ko-KR" sz="1200" dirty="0">
-                <a:latin typeface="맑은 고딕" panose="020B0503020000020004" pitchFamily="50" charset="-127"/>
-                <a:ea typeface="맑은 고딕" panose="020B0503020000020004" pitchFamily="50" charset="-127"/>
-              </a:rPr>
-              <a:t> : </a:t>
-            </a:r>
-            <a:r>
-              <a:rPr lang="ko-KR" altLang="en-US" sz="1200" dirty="0">
-                <a:latin typeface="맑은 고딕" panose="020B0503020000020004" pitchFamily="50" charset="-127"/>
-                <a:ea typeface="맑은 고딕" panose="020B0503020000020004" pitchFamily="50" charset="-127"/>
-              </a:rPr>
-              <a:t>시뮬레이션 끝나는 시간</a:t>
-            </a:r>
-          </a:p>
-        </p:txBody>
-      </p:sp>
-      <p:pic>
-        <p:nvPicPr>
-          <p:cNvPr id="21" name="그림 20">
-            <a:extLst>
-              <a:ext uri="{FF2B5EF4-FFF2-40B4-BE49-F238E27FC236}">
-                <a16:creationId xmlns:a16="http://schemas.microsoft.com/office/drawing/2014/main" id="{7DC2CA7C-C099-F744-94BA-1E246096178E}"/>
-              </a:ext>
-            </a:extLst>
-          </p:cNvPr>
-          <p:cNvPicPr>
-            <a:picLocks noChangeAspect="1"/>
-          </p:cNvPicPr>
-          <p:nvPr/>
-        </p:nvPicPr>
-        <p:blipFill>
-          <a:blip r:embed="rId4"/>
           <a:stretch>
             <a:fillRect/>
           </a:stretch>
@@ -26281,12 +26255,309 @@
           </a:p>
         </p:txBody>
       </p:sp>
+      <p:sp>
+        <p:nvSpPr>
+          <p:cNvPr id="14" name="TextBox 13">
+            <a:extLst>
+              <a:ext uri="{FF2B5EF4-FFF2-40B4-BE49-F238E27FC236}">
+                <a16:creationId xmlns:a16="http://schemas.microsoft.com/office/drawing/2014/main" id="{82DD2BCF-133D-D136-4A97-3313D5229ACF}"/>
+              </a:ext>
+            </a:extLst>
+          </p:cNvPr>
+          <p:cNvSpPr txBox="1"/>
+          <p:nvPr/>
+        </p:nvSpPr>
+        <p:spPr>
+          <a:xfrm>
+            <a:off x="7536160" y="3140968"/>
+            <a:ext cx="3430747" cy="1880195"/>
+          </a:xfrm>
+          <a:prstGeom prst="rect">
+            <a:avLst/>
+          </a:prstGeom>
+          <a:noFill/>
+        </p:spPr>
+        <p:txBody>
+          <a:bodyPr wrap="none" rtlCol="0">
+            <a:spAutoFit/>
+          </a:bodyPr>
+          <a:lstStyle/>
+          <a:p>
+            <a:pPr>
+              <a:lnSpc>
+                <a:spcPct val="200000"/>
+              </a:lnSpc>
+            </a:pPr>
+            <a:r>
+              <a:rPr lang="en-US" altLang="ko-KR" sz="1200" dirty="0" err="1">
+                <a:latin typeface="맑은 고딕" panose="020B0503020000020004" pitchFamily="50" charset="-127"/>
+                <a:ea typeface="맑은 고딕" panose="020B0503020000020004" pitchFamily="50" charset="-127"/>
+              </a:rPr>
+              <a:t>project_id</a:t>
+            </a:r>
+            <a:r>
+              <a:rPr lang="en-US" altLang="ko-KR" sz="1200" dirty="0">
+                <a:latin typeface="맑은 고딕" panose="020B0503020000020004" pitchFamily="50" charset="-127"/>
+                <a:ea typeface="맑은 고딕" panose="020B0503020000020004" pitchFamily="50" charset="-127"/>
+              </a:rPr>
+              <a:t> : </a:t>
+            </a:r>
+            <a:r>
+              <a:rPr lang="ko-KR" altLang="en-US" sz="1200" dirty="0">
+                <a:latin typeface="맑은 고딕" panose="020B0503020000020004" pitchFamily="50" charset="-127"/>
+                <a:ea typeface="맑은 고딕" panose="020B0503020000020004" pitchFamily="50" charset="-127"/>
+              </a:rPr>
+              <a:t>시나리오별 아이디</a:t>
+            </a:r>
+            <a:r>
+              <a:rPr lang="en-US" altLang="ko-KR" sz="1200" dirty="0">
+                <a:latin typeface="맑은 고딕" panose="020B0503020000020004" pitchFamily="50" charset="-127"/>
+                <a:ea typeface="맑은 고딕" panose="020B0503020000020004" pitchFamily="50" charset="-127"/>
+              </a:rPr>
+              <a:t> </a:t>
+            </a:r>
+            <a:r>
+              <a:rPr lang="ko-KR" altLang="en-US" sz="1200" dirty="0">
+                <a:latin typeface="맑은 고딕" panose="020B0503020000020004" pitchFamily="50" charset="-127"/>
+                <a:ea typeface="맑은 고딕" panose="020B0503020000020004" pitchFamily="50" charset="-127"/>
+              </a:rPr>
+              <a:t>값</a:t>
+            </a:r>
+            <a:endParaRPr lang="en-US" altLang="ko-KR" sz="1200" dirty="0">
+              <a:latin typeface="맑은 고딕" panose="020B0503020000020004" pitchFamily="50" charset="-127"/>
+              <a:ea typeface="맑은 고딕" panose="020B0503020000020004" pitchFamily="50" charset="-127"/>
+            </a:endParaRPr>
+          </a:p>
+          <a:p>
+            <a:pPr>
+              <a:lnSpc>
+                <a:spcPct val="200000"/>
+              </a:lnSpc>
+            </a:pPr>
+            <a:r>
+              <a:rPr lang="en-US" altLang="ko-KR" sz="1200" dirty="0" err="1">
+                <a:latin typeface="맑은 고딕" panose="020B0503020000020004" pitchFamily="50" charset="-127"/>
+                <a:ea typeface="맑은 고딕" panose="020B0503020000020004" pitchFamily="50" charset="-127"/>
+              </a:rPr>
+              <a:t>object_id</a:t>
+            </a:r>
+            <a:r>
+              <a:rPr lang="en-US" altLang="ko-KR" sz="1200" dirty="0">
+                <a:latin typeface="맑은 고딕" panose="020B0503020000020004" pitchFamily="50" charset="-127"/>
+                <a:ea typeface="맑은 고딕" panose="020B0503020000020004" pitchFamily="50" charset="-127"/>
+              </a:rPr>
+              <a:t> : </a:t>
+            </a:r>
+            <a:r>
+              <a:rPr lang="ko-KR" altLang="en-US" sz="1200" dirty="0">
+                <a:latin typeface="맑은 고딕" panose="020B0503020000020004" pitchFamily="50" charset="-127"/>
+                <a:ea typeface="맑은 고딕" panose="020B0503020000020004" pitchFamily="50" charset="-127"/>
+              </a:rPr>
+              <a:t>각 </a:t>
+            </a:r>
+            <a:r>
+              <a:rPr lang="ko-KR" altLang="en-US" sz="1200" dirty="0" err="1">
+                <a:latin typeface="맑은 고딕" panose="020B0503020000020004" pitchFamily="50" charset="-127"/>
+                <a:ea typeface="맑은 고딕" panose="020B0503020000020004" pitchFamily="50" charset="-127"/>
+              </a:rPr>
+              <a:t>설비별</a:t>
+            </a:r>
+            <a:r>
+              <a:rPr lang="ko-KR" altLang="en-US" sz="1200" dirty="0">
+                <a:latin typeface="맑은 고딕" panose="020B0503020000020004" pitchFamily="50" charset="-127"/>
+                <a:ea typeface="맑은 고딕" panose="020B0503020000020004" pitchFamily="50" charset="-127"/>
+              </a:rPr>
+              <a:t> 아이디 값 </a:t>
+            </a:r>
+            <a:endParaRPr lang="en-US" altLang="ko-KR" sz="1200" dirty="0">
+              <a:latin typeface="맑은 고딕" panose="020B0503020000020004" pitchFamily="50" charset="-127"/>
+              <a:ea typeface="맑은 고딕" panose="020B0503020000020004" pitchFamily="50" charset="-127"/>
+            </a:endParaRPr>
+          </a:p>
+          <a:p>
+            <a:pPr>
+              <a:lnSpc>
+                <a:spcPct val="200000"/>
+              </a:lnSpc>
+            </a:pPr>
+            <a:r>
+              <a:rPr lang="en-US" altLang="ko-KR" sz="1200" dirty="0" err="1">
+                <a:latin typeface="맑은 고딕" panose="020B0503020000020004" pitchFamily="50" charset="-127"/>
+                <a:ea typeface="맑은 고딕" panose="020B0503020000020004" pitchFamily="50" charset="-127"/>
+              </a:rPr>
+              <a:t>x_position</a:t>
+            </a:r>
+            <a:r>
+              <a:rPr lang="en-US" altLang="ko-KR" sz="1200" dirty="0">
+                <a:latin typeface="맑은 고딕" panose="020B0503020000020004" pitchFamily="50" charset="-127"/>
+                <a:ea typeface="맑은 고딕" panose="020B0503020000020004" pitchFamily="50" charset="-127"/>
+              </a:rPr>
+              <a:t>, </a:t>
+            </a:r>
+            <a:r>
+              <a:rPr lang="en-US" altLang="ko-KR" sz="1200" dirty="0" err="1">
+                <a:latin typeface="맑은 고딕" panose="020B0503020000020004" pitchFamily="50" charset="-127"/>
+                <a:ea typeface="맑은 고딕" panose="020B0503020000020004" pitchFamily="50" charset="-127"/>
+              </a:rPr>
+              <a:t>y_position</a:t>
+            </a:r>
+            <a:r>
+              <a:rPr lang="en-US" altLang="ko-KR" sz="1200" dirty="0">
+                <a:latin typeface="맑은 고딕" panose="020B0503020000020004" pitchFamily="50" charset="-127"/>
+                <a:ea typeface="맑은 고딕" panose="020B0503020000020004" pitchFamily="50" charset="-127"/>
+              </a:rPr>
+              <a:t> : </a:t>
+            </a:r>
+            <a:r>
+              <a:rPr lang="ko-KR" altLang="en-US" sz="1200" dirty="0">
+                <a:latin typeface="맑은 고딕" panose="020B0503020000020004" pitchFamily="50" charset="-127"/>
+                <a:ea typeface="맑은 고딕" panose="020B0503020000020004" pitchFamily="50" charset="-127"/>
+              </a:rPr>
+              <a:t>설비의 가로</a:t>
+            </a:r>
+            <a:r>
+              <a:rPr lang="en-US" altLang="ko-KR" sz="1200" dirty="0">
+                <a:latin typeface="맑은 고딕" panose="020B0503020000020004" pitchFamily="50" charset="-127"/>
+                <a:ea typeface="맑은 고딕" panose="020B0503020000020004" pitchFamily="50" charset="-127"/>
+              </a:rPr>
+              <a:t>, </a:t>
+            </a:r>
+            <a:r>
+              <a:rPr lang="ko-KR" altLang="en-US" sz="1200" dirty="0">
+                <a:latin typeface="맑은 고딕" panose="020B0503020000020004" pitchFamily="50" charset="-127"/>
+                <a:ea typeface="맑은 고딕" panose="020B0503020000020004" pitchFamily="50" charset="-127"/>
+              </a:rPr>
+              <a:t>세로 위치</a:t>
+            </a:r>
+            <a:endParaRPr lang="en-US" altLang="ko-KR" sz="1200" dirty="0">
+              <a:latin typeface="맑은 고딕" panose="020B0503020000020004" pitchFamily="50" charset="-127"/>
+              <a:ea typeface="맑은 고딕" panose="020B0503020000020004" pitchFamily="50" charset="-127"/>
+            </a:endParaRPr>
+          </a:p>
+          <a:p>
+            <a:pPr>
+              <a:lnSpc>
+                <a:spcPct val="200000"/>
+              </a:lnSpc>
+            </a:pPr>
+            <a:r>
+              <a:rPr lang="en-US" altLang="ko-KR" sz="1200" dirty="0" err="1">
+                <a:latin typeface="맑은 고딕" panose="020B0503020000020004" pitchFamily="50" charset="-127"/>
+                <a:ea typeface="맑은 고딕" panose="020B0503020000020004" pitchFamily="50" charset="-127"/>
+              </a:rPr>
+              <a:t>object_type</a:t>
+            </a:r>
+            <a:r>
+              <a:rPr lang="en-US" altLang="ko-KR" sz="1200" dirty="0">
+                <a:latin typeface="맑은 고딕" panose="020B0503020000020004" pitchFamily="50" charset="-127"/>
+                <a:ea typeface="맑은 고딕" panose="020B0503020000020004" pitchFamily="50" charset="-127"/>
+              </a:rPr>
+              <a:t> : </a:t>
+            </a:r>
+            <a:r>
+              <a:rPr lang="ko-KR" altLang="en-US" sz="1200" dirty="0">
+                <a:latin typeface="맑은 고딕" panose="020B0503020000020004" pitchFamily="50" charset="-127"/>
+                <a:ea typeface="맑은 고딕" panose="020B0503020000020004" pitchFamily="50" charset="-127"/>
+              </a:rPr>
+              <a:t>각 </a:t>
+            </a:r>
+            <a:r>
+              <a:rPr lang="ko-KR" altLang="en-US" sz="1200" dirty="0" err="1">
+                <a:latin typeface="맑은 고딕" panose="020B0503020000020004" pitchFamily="50" charset="-127"/>
+                <a:ea typeface="맑은 고딕" panose="020B0503020000020004" pitchFamily="50" charset="-127"/>
+              </a:rPr>
+              <a:t>설비별</a:t>
+            </a:r>
+            <a:r>
+              <a:rPr lang="ko-KR" altLang="en-US" sz="1200" dirty="0">
+                <a:latin typeface="맑은 고딕" panose="020B0503020000020004" pitchFamily="50" charset="-127"/>
+                <a:ea typeface="맑은 고딕" panose="020B0503020000020004" pitchFamily="50" charset="-127"/>
+              </a:rPr>
+              <a:t> 타입 문자열</a:t>
+            </a:r>
+            <a:endParaRPr lang="en-US" altLang="ko-KR" sz="1200" dirty="0">
+              <a:latin typeface="맑은 고딕" panose="020B0503020000020004" pitchFamily="50" charset="-127"/>
+              <a:ea typeface="맑은 고딕" panose="020B0503020000020004" pitchFamily="50" charset="-127"/>
+            </a:endParaRPr>
+          </a:p>
+          <a:p>
+            <a:pPr>
+              <a:lnSpc>
+                <a:spcPct val="200000"/>
+              </a:lnSpc>
+            </a:pPr>
+            <a:r>
+              <a:rPr lang="en-US" altLang="ko-KR" sz="1200" dirty="0" err="1">
+                <a:latin typeface="맑은 고딕" panose="020B0503020000020004" pitchFamily="50" charset="-127"/>
+                <a:ea typeface="맑은 고딕" panose="020B0503020000020004" pitchFamily="50" charset="-127"/>
+              </a:rPr>
+              <a:t>x_length</a:t>
+            </a:r>
+            <a:r>
+              <a:rPr lang="en-US" altLang="ko-KR" sz="1200" dirty="0">
+                <a:latin typeface="맑은 고딕" panose="020B0503020000020004" pitchFamily="50" charset="-127"/>
+                <a:ea typeface="맑은 고딕" panose="020B0503020000020004" pitchFamily="50" charset="-127"/>
+              </a:rPr>
+              <a:t>, </a:t>
+            </a:r>
+            <a:r>
+              <a:rPr lang="en-US" altLang="ko-KR" sz="1200" dirty="0" err="1">
+                <a:latin typeface="맑은 고딕" panose="020B0503020000020004" pitchFamily="50" charset="-127"/>
+                <a:ea typeface="맑은 고딕" panose="020B0503020000020004" pitchFamily="50" charset="-127"/>
+              </a:rPr>
+              <a:t>y_length</a:t>
+            </a:r>
+            <a:r>
+              <a:rPr lang="en-US" altLang="ko-KR" sz="1200" dirty="0">
+                <a:latin typeface="맑은 고딕" panose="020B0503020000020004" pitchFamily="50" charset="-127"/>
+                <a:ea typeface="맑은 고딕" panose="020B0503020000020004" pitchFamily="50" charset="-127"/>
+              </a:rPr>
+              <a:t> : </a:t>
+            </a:r>
+            <a:r>
+              <a:rPr lang="ko-KR" altLang="en-US" sz="1200" dirty="0">
+                <a:latin typeface="맑은 고딕" panose="020B0503020000020004" pitchFamily="50" charset="-127"/>
+                <a:ea typeface="맑은 고딕" panose="020B0503020000020004" pitchFamily="50" charset="-127"/>
+              </a:rPr>
+              <a:t>각 </a:t>
+            </a:r>
+            <a:r>
+              <a:rPr lang="ko-KR" altLang="en-US" sz="1200" dirty="0" err="1">
+                <a:latin typeface="맑은 고딕" panose="020B0503020000020004" pitchFamily="50" charset="-127"/>
+                <a:ea typeface="맑은 고딕" panose="020B0503020000020004" pitchFamily="50" charset="-127"/>
+              </a:rPr>
+              <a:t>설비별</a:t>
+            </a:r>
+            <a:r>
+              <a:rPr lang="ko-KR" altLang="en-US" sz="1200" dirty="0">
+                <a:latin typeface="맑은 고딕" panose="020B0503020000020004" pitchFamily="50" charset="-127"/>
+                <a:ea typeface="맑은 고딕" panose="020B0503020000020004" pitchFamily="50" charset="-127"/>
+              </a:rPr>
+              <a:t> 가로</a:t>
+            </a:r>
+            <a:r>
+              <a:rPr lang="en-US" altLang="ko-KR" sz="1200" dirty="0">
+                <a:latin typeface="맑은 고딕" panose="020B0503020000020004" pitchFamily="50" charset="-127"/>
+                <a:ea typeface="맑은 고딕" panose="020B0503020000020004" pitchFamily="50" charset="-127"/>
+              </a:rPr>
+              <a:t>, </a:t>
+            </a:r>
+            <a:r>
+              <a:rPr lang="ko-KR" altLang="en-US" sz="1200" dirty="0">
+                <a:latin typeface="맑은 고딕" panose="020B0503020000020004" pitchFamily="50" charset="-127"/>
+                <a:ea typeface="맑은 고딕" panose="020B0503020000020004" pitchFamily="50" charset="-127"/>
+              </a:rPr>
+              <a:t>세로 길이</a:t>
+            </a:r>
+          </a:p>
+        </p:txBody>
+      </p:sp>
       <p:pic>
         <p:nvPicPr>
-          <p:cNvPr id="11" name="그림 10">
-            <a:extLst>
-              <a:ext uri="{FF2B5EF4-FFF2-40B4-BE49-F238E27FC236}">
-                <a16:creationId xmlns:a16="http://schemas.microsoft.com/office/drawing/2014/main" id="{1AD1256A-745C-B714-3767-85002FDB9F60}"/>
+          <p:cNvPr id="16" name="그림 15" descr="테이블이(가) 표시된 사진&#10;&#10;자동 생성된 설명">
+            <a:extLst>
+              <a:ext uri="{FF2B5EF4-FFF2-40B4-BE49-F238E27FC236}">
+                <a16:creationId xmlns:a16="http://schemas.microsoft.com/office/drawing/2014/main" id="{FFFAAD0E-E848-28B7-B9C5-E5073559E051}"/>
               </a:ext>
             </a:extLst>
           </p:cNvPr>
@@ -26297,333 +26568,6 @@
         </p:nvPicPr>
         <p:blipFill>
           <a:blip r:embed="rId3"/>
-          <a:stretch>
-            <a:fillRect/>
-          </a:stretch>
-        </p:blipFill>
-        <p:spPr>
-          <a:xfrm>
-            <a:off x="407368" y="1278728"/>
-            <a:ext cx="11373727" cy="1286176"/>
-          </a:xfrm>
-          <a:prstGeom prst="rect">
-            <a:avLst/>
-          </a:prstGeom>
-        </p:spPr>
-      </p:pic>
-      <p:sp>
-        <p:nvSpPr>
-          <p:cNvPr id="14" name="TextBox 13">
-            <a:extLst>
-              <a:ext uri="{FF2B5EF4-FFF2-40B4-BE49-F238E27FC236}">
-                <a16:creationId xmlns:a16="http://schemas.microsoft.com/office/drawing/2014/main" id="{82DD2BCF-133D-D136-4A97-3313D5229ACF}"/>
-              </a:ext>
-            </a:extLst>
-          </p:cNvPr>
-          <p:cNvSpPr txBox="1"/>
-          <p:nvPr/>
-        </p:nvSpPr>
-        <p:spPr>
-          <a:xfrm>
-            <a:off x="7536160" y="3140968"/>
-            <a:ext cx="3430747" cy="1880195"/>
-          </a:xfrm>
-          <a:prstGeom prst="rect">
-            <a:avLst/>
-          </a:prstGeom>
-          <a:noFill/>
-        </p:spPr>
-        <p:txBody>
-          <a:bodyPr wrap="none" rtlCol="0">
-            <a:spAutoFit/>
-          </a:bodyPr>
-          <a:lstStyle/>
-          <a:p>
-            <a:pPr>
-              <a:lnSpc>
-                <a:spcPct val="200000"/>
-              </a:lnSpc>
-            </a:pPr>
-            <a:r>
-              <a:rPr lang="en-US" altLang="ko-KR" sz="1200" dirty="0" err="1">
-                <a:latin typeface="맑은 고딕" panose="020B0503020000020004" pitchFamily="50" charset="-127"/>
-                <a:ea typeface="맑은 고딕" panose="020B0503020000020004" pitchFamily="50" charset="-127"/>
-              </a:rPr>
-              <a:t>project_id</a:t>
-            </a:r>
-            <a:r>
-              <a:rPr lang="en-US" altLang="ko-KR" sz="1200" dirty="0">
-                <a:latin typeface="맑은 고딕" panose="020B0503020000020004" pitchFamily="50" charset="-127"/>
-                <a:ea typeface="맑은 고딕" panose="020B0503020000020004" pitchFamily="50" charset="-127"/>
-              </a:rPr>
-              <a:t> : </a:t>
-            </a:r>
-            <a:r>
-              <a:rPr lang="ko-KR" altLang="en-US" sz="1200" dirty="0">
-                <a:latin typeface="맑은 고딕" panose="020B0503020000020004" pitchFamily="50" charset="-127"/>
-                <a:ea typeface="맑은 고딕" panose="020B0503020000020004" pitchFamily="50" charset="-127"/>
-              </a:rPr>
-              <a:t>시나리오별 아이디</a:t>
-            </a:r>
-            <a:r>
-              <a:rPr lang="en-US" altLang="ko-KR" sz="1200" dirty="0">
-                <a:latin typeface="맑은 고딕" panose="020B0503020000020004" pitchFamily="50" charset="-127"/>
-                <a:ea typeface="맑은 고딕" panose="020B0503020000020004" pitchFamily="50" charset="-127"/>
-              </a:rPr>
-              <a:t> </a:t>
-            </a:r>
-            <a:r>
-              <a:rPr lang="ko-KR" altLang="en-US" sz="1200" dirty="0">
-                <a:latin typeface="맑은 고딕" panose="020B0503020000020004" pitchFamily="50" charset="-127"/>
-                <a:ea typeface="맑은 고딕" panose="020B0503020000020004" pitchFamily="50" charset="-127"/>
-              </a:rPr>
-              <a:t>값</a:t>
-            </a:r>
-            <a:endParaRPr lang="en-US" altLang="ko-KR" sz="1200" dirty="0">
-              <a:latin typeface="맑은 고딕" panose="020B0503020000020004" pitchFamily="50" charset="-127"/>
-              <a:ea typeface="맑은 고딕" panose="020B0503020000020004" pitchFamily="50" charset="-127"/>
-            </a:endParaRPr>
-          </a:p>
-          <a:p>
-            <a:pPr>
-              <a:lnSpc>
-                <a:spcPct val="200000"/>
-              </a:lnSpc>
-            </a:pPr>
-            <a:r>
-              <a:rPr lang="en-US" altLang="ko-KR" sz="1200" dirty="0" err="1">
-                <a:latin typeface="맑은 고딕" panose="020B0503020000020004" pitchFamily="50" charset="-127"/>
-                <a:ea typeface="맑은 고딕" panose="020B0503020000020004" pitchFamily="50" charset="-127"/>
-              </a:rPr>
-              <a:t>object_id</a:t>
-            </a:r>
-            <a:r>
-              <a:rPr lang="en-US" altLang="ko-KR" sz="1200" dirty="0">
-                <a:latin typeface="맑은 고딕" panose="020B0503020000020004" pitchFamily="50" charset="-127"/>
-                <a:ea typeface="맑은 고딕" panose="020B0503020000020004" pitchFamily="50" charset="-127"/>
-              </a:rPr>
-              <a:t> : </a:t>
-            </a:r>
-            <a:r>
-              <a:rPr lang="ko-KR" altLang="en-US" sz="1200" dirty="0">
-                <a:latin typeface="맑은 고딕" panose="020B0503020000020004" pitchFamily="50" charset="-127"/>
-                <a:ea typeface="맑은 고딕" panose="020B0503020000020004" pitchFamily="50" charset="-127"/>
-              </a:rPr>
-              <a:t>각 </a:t>
-            </a:r>
-            <a:r>
-              <a:rPr lang="ko-KR" altLang="en-US" sz="1200" dirty="0" err="1">
-                <a:latin typeface="맑은 고딕" panose="020B0503020000020004" pitchFamily="50" charset="-127"/>
-                <a:ea typeface="맑은 고딕" panose="020B0503020000020004" pitchFamily="50" charset="-127"/>
-              </a:rPr>
-              <a:t>설비별</a:t>
-            </a:r>
-            <a:r>
-              <a:rPr lang="ko-KR" altLang="en-US" sz="1200" dirty="0">
-                <a:latin typeface="맑은 고딕" panose="020B0503020000020004" pitchFamily="50" charset="-127"/>
-                <a:ea typeface="맑은 고딕" panose="020B0503020000020004" pitchFamily="50" charset="-127"/>
-              </a:rPr>
-              <a:t> 아이디 값 </a:t>
-            </a:r>
-            <a:endParaRPr lang="en-US" altLang="ko-KR" sz="1200" dirty="0">
-              <a:latin typeface="맑은 고딕" panose="020B0503020000020004" pitchFamily="50" charset="-127"/>
-              <a:ea typeface="맑은 고딕" panose="020B0503020000020004" pitchFamily="50" charset="-127"/>
-            </a:endParaRPr>
-          </a:p>
-          <a:p>
-            <a:pPr>
-              <a:lnSpc>
-                <a:spcPct val="200000"/>
-              </a:lnSpc>
-            </a:pPr>
-            <a:r>
-              <a:rPr lang="en-US" altLang="ko-KR" sz="1200" dirty="0" err="1">
-                <a:latin typeface="맑은 고딕" panose="020B0503020000020004" pitchFamily="50" charset="-127"/>
-                <a:ea typeface="맑은 고딕" panose="020B0503020000020004" pitchFamily="50" charset="-127"/>
-              </a:rPr>
-              <a:t>x_position</a:t>
-            </a:r>
-            <a:r>
-              <a:rPr lang="en-US" altLang="ko-KR" sz="1200" dirty="0">
-                <a:latin typeface="맑은 고딕" panose="020B0503020000020004" pitchFamily="50" charset="-127"/>
-                <a:ea typeface="맑은 고딕" panose="020B0503020000020004" pitchFamily="50" charset="-127"/>
-              </a:rPr>
-              <a:t>, </a:t>
-            </a:r>
-            <a:r>
-              <a:rPr lang="en-US" altLang="ko-KR" sz="1200" dirty="0" err="1">
-                <a:latin typeface="맑은 고딕" panose="020B0503020000020004" pitchFamily="50" charset="-127"/>
-                <a:ea typeface="맑은 고딕" panose="020B0503020000020004" pitchFamily="50" charset="-127"/>
-              </a:rPr>
-              <a:t>y_position</a:t>
-            </a:r>
-            <a:r>
-              <a:rPr lang="en-US" altLang="ko-KR" sz="1200" dirty="0">
-                <a:latin typeface="맑은 고딕" panose="020B0503020000020004" pitchFamily="50" charset="-127"/>
-                <a:ea typeface="맑은 고딕" panose="020B0503020000020004" pitchFamily="50" charset="-127"/>
-              </a:rPr>
-              <a:t> : </a:t>
-            </a:r>
-            <a:r>
-              <a:rPr lang="ko-KR" altLang="en-US" sz="1200" dirty="0">
-                <a:latin typeface="맑은 고딕" panose="020B0503020000020004" pitchFamily="50" charset="-127"/>
-                <a:ea typeface="맑은 고딕" panose="020B0503020000020004" pitchFamily="50" charset="-127"/>
-              </a:rPr>
-              <a:t>설비의 가로</a:t>
-            </a:r>
-            <a:r>
-              <a:rPr lang="en-US" altLang="ko-KR" sz="1200" dirty="0">
-                <a:latin typeface="맑은 고딕" panose="020B0503020000020004" pitchFamily="50" charset="-127"/>
-                <a:ea typeface="맑은 고딕" panose="020B0503020000020004" pitchFamily="50" charset="-127"/>
-              </a:rPr>
-              <a:t>, </a:t>
-            </a:r>
-            <a:r>
-              <a:rPr lang="ko-KR" altLang="en-US" sz="1200" dirty="0">
-                <a:latin typeface="맑은 고딕" panose="020B0503020000020004" pitchFamily="50" charset="-127"/>
-                <a:ea typeface="맑은 고딕" panose="020B0503020000020004" pitchFamily="50" charset="-127"/>
-              </a:rPr>
-              <a:t>세로 위치</a:t>
-            </a:r>
-            <a:endParaRPr lang="en-US" altLang="ko-KR" sz="1200" dirty="0">
-              <a:latin typeface="맑은 고딕" panose="020B0503020000020004" pitchFamily="50" charset="-127"/>
-              <a:ea typeface="맑은 고딕" panose="020B0503020000020004" pitchFamily="50" charset="-127"/>
-            </a:endParaRPr>
-          </a:p>
-          <a:p>
-            <a:pPr>
-              <a:lnSpc>
-                <a:spcPct val="200000"/>
-              </a:lnSpc>
-            </a:pPr>
-            <a:r>
-              <a:rPr lang="en-US" altLang="ko-KR" sz="1200" dirty="0" err="1">
-                <a:latin typeface="맑은 고딕" panose="020B0503020000020004" pitchFamily="50" charset="-127"/>
-                <a:ea typeface="맑은 고딕" panose="020B0503020000020004" pitchFamily="50" charset="-127"/>
-              </a:rPr>
-              <a:t>object_type</a:t>
-            </a:r>
-            <a:r>
-              <a:rPr lang="en-US" altLang="ko-KR" sz="1200" dirty="0">
-                <a:latin typeface="맑은 고딕" panose="020B0503020000020004" pitchFamily="50" charset="-127"/>
-                <a:ea typeface="맑은 고딕" panose="020B0503020000020004" pitchFamily="50" charset="-127"/>
-              </a:rPr>
-              <a:t> : </a:t>
-            </a:r>
-            <a:r>
-              <a:rPr lang="ko-KR" altLang="en-US" sz="1200" dirty="0">
-                <a:latin typeface="맑은 고딕" panose="020B0503020000020004" pitchFamily="50" charset="-127"/>
-                <a:ea typeface="맑은 고딕" panose="020B0503020000020004" pitchFamily="50" charset="-127"/>
-              </a:rPr>
-              <a:t>각 </a:t>
-            </a:r>
-            <a:r>
-              <a:rPr lang="ko-KR" altLang="en-US" sz="1200" dirty="0" err="1">
-                <a:latin typeface="맑은 고딕" panose="020B0503020000020004" pitchFamily="50" charset="-127"/>
-                <a:ea typeface="맑은 고딕" panose="020B0503020000020004" pitchFamily="50" charset="-127"/>
-              </a:rPr>
-              <a:t>설비별</a:t>
-            </a:r>
-            <a:r>
-              <a:rPr lang="ko-KR" altLang="en-US" sz="1200" dirty="0">
-                <a:latin typeface="맑은 고딕" panose="020B0503020000020004" pitchFamily="50" charset="-127"/>
-                <a:ea typeface="맑은 고딕" panose="020B0503020000020004" pitchFamily="50" charset="-127"/>
-              </a:rPr>
-              <a:t> 타입 문자열</a:t>
-            </a:r>
-            <a:endParaRPr lang="en-US" altLang="ko-KR" sz="1200" dirty="0">
-              <a:latin typeface="맑은 고딕" panose="020B0503020000020004" pitchFamily="50" charset="-127"/>
-              <a:ea typeface="맑은 고딕" panose="020B0503020000020004" pitchFamily="50" charset="-127"/>
-            </a:endParaRPr>
-          </a:p>
-          <a:p>
-            <a:pPr>
-              <a:lnSpc>
-                <a:spcPct val="200000"/>
-              </a:lnSpc>
-            </a:pPr>
-            <a:r>
-              <a:rPr lang="en-US" altLang="ko-KR" sz="1200" dirty="0" err="1">
-                <a:latin typeface="맑은 고딕" panose="020B0503020000020004" pitchFamily="50" charset="-127"/>
-                <a:ea typeface="맑은 고딕" panose="020B0503020000020004" pitchFamily="50" charset="-127"/>
-              </a:rPr>
-              <a:t>x_length</a:t>
-            </a:r>
-            <a:r>
-              <a:rPr lang="en-US" altLang="ko-KR" sz="1200" dirty="0">
-                <a:latin typeface="맑은 고딕" panose="020B0503020000020004" pitchFamily="50" charset="-127"/>
-                <a:ea typeface="맑은 고딕" panose="020B0503020000020004" pitchFamily="50" charset="-127"/>
-              </a:rPr>
-              <a:t>, </a:t>
-            </a:r>
-            <a:r>
-              <a:rPr lang="en-US" altLang="ko-KR" sz="1200" dirty="0" err="1">
-                <a:latin typeface="맑은 고딕" panose="020B0503020000020004" pitchFamily="50" charset="-127"/>
-                <a:ea typeface="맑은 고딕" panose="020B0503020000020004" pitchFamily="50" charset="-127"/>
-              </a:rPr>
-              <a:t>y_length</a:t>
-            </a:r>
-            <a:r>
-              <a:rPr lang="en-US" altLang="ko-KR" sz="1200" dirty="0">
-                <a:latin typeface="맑은 고딕" panose="020B0503020000020004" pitchFamily="50" charset="-127"/>
-                <a:ea typeface="맑은 고딕" panose="020B0503020000020004" pitchFamily="50" charset="-127"/>
-              </a:rPr>
-              <a:t> : </a:t>
-            </a:r>
-            <a:r>
-              <a:rPr lang="ko-KR" altLang="en-US" sz="1200" dirty="0">
-                <a:latin typeface="맑은 고딕" panose="020B0503020000020004" pitchFamily="50" charset="-127"/>
-                <a:ea typeface="맑은 고딕" panose="020B0503020000020004" pitchFamily="50" charset="-127"/>
-              </a:rPr>
-              <a:t>각 </a:t>
-            </a:r>
-            <a:r>
-              <a:rPr lang="ko-KR" altLang="en-US" sz="1200" dirty="0" err="1">
-                <a:latin typeface="맑은 고딕" panose="020B0503020000020004" pitchFamily="50" charset="-127"/>
-                <a:ea typeface="맑은 고딕" panose="020B0503020000020004" pitchFamily="50" charset="-127"/>
-              </a:rPr>
-              <a:t>설비별</a:t>
-            </a:r>
-            <a:r>
-              <a:rPr lang="ko-KR" altLang="en-US" sz="1200" dirty="0">
-                <a:latin typeface="맑은 고딕" panose="020B0503020000020004" pitchFamily="50" charset="-127"/>
-                <a:ea typeface="맑은 고딕" panose="020B0503020000020004" pitchFamily="50" charset="-127"/>
-              </a:rPr>
-              <a:t> 가로</a:t>
-            </a:r>
-            <a:r>
-              <a:rPr lang="en-US" altLang="ko-KR" sz="1200" dirty="0">
-                <a:latin typeface="맑은 고딕" panose="020B0503020000020004" pitchFamily="50" charset="-127"/>
-                <a:ea typeface="맑은 고딕" panose="020B0503020000020004" pitchFamily="50" charset="-127"/>
-              </a:rPr>
-              <a:t>, </a:t>
-            </a:r>
-            <a:r>
-              <a:rPr lang="ko-KR" altLang="en-US" sz="1200" dirty="0">
-                <a:latin typeface="맑은 고딕" panose="020B0503020000020004" pitchFamily="50" charset="-127"/>
-                <a:ea typeface="맑은 고딕" panose="020B0503020000020004" pitchFamily="50" charset="-127"/>
-              </a:rPr>
-              <a:t>세로 길이</a:t>
-            </a:r>
-          </a:p>
-        </p:txBody>
-      </p:sp>
-      <p:pic>
-        <p:nvPicPr>
-          <p:cNvPr id="16" name="그림 15" descr="테이블이(가) 표시된 사진&#10;&#10;자동 생성된 설명">
-            <a:extLst>
-              <a:ext uri="{FF2B5EF4-FFF2-40B4-BE49-F238E27FC236}">
-                <a16:creationId xmlns:a16="http://schemas.microsoft.com/office/drawing/2014/main" id="{FFFAAD0E-E848-28B7-B9C5-E5073559E051}"/>
-              </a:ext>
-            </a:extLst>
-          </p:cNvPr>
-          <p:cNvPicPr>
-            <a:picLocks noChangeAspect="1"/>
-          </p:cNvPicPr>
-          <p:nvPr/>
-        </p:nvPicPr>
-        <p:blipFill>
-          <a:blip r:embed="rId4"/>
           <a:stretch>
             <a:fillRect/>
           </a:stretch>
@@ -26831,12 +26775,147 @@
           </a:p>
         </p:txBody>
       </p:sp>
+      <p:sp>
+        <p:nvSpPr>
+          <p:cNvPr id="9" name="TextBox 8">
+            <a:extLst>
+              <a:ext uri="{FF2B5EF4-FFF2-40B4-BE49-F238E27FC236}">
+                <a16:creationId xmlns:a16="http://schemas.microsoft.com/office/drawing/2014/main" id="{7A4C5E42-EA13-5D11-D3A4-3EFE085FEF0D}"/>
+              </a:ext>
+            </a:extLst>
+          </p:cNvPr>
+          <p:cNvSpPr txBox="1"/>
+          <p:nvPr/>
+        </p:nvSpPr>
+        <p:spPr>
+          <a:xfrm>
+            <a:off x="4655840" y="3501008"/>
+            <a:ext cx="2898614" cy="1141531"/>
+          </a:xfrm>
+          <a:prstGeom prst="rect">
+            <a:avLst/>
+          </a:prstGeom>
+          <a:noFill/>
+        </p:spPr>
+        <p:txBody>
+          <a:bodyPr wrap="none" rtlCol="0">
+            <a:spAutoFit/>
+          </a:bodyPr>
+          <a:lstStyle/>
+          <a:p>
+            <a:pPr>
+              <a:lnSpc>
+                <a:spcPct val="200000"/>
+              </a:lnSpc>
+            </a:pPr>
+            <a:r>
+              <a:rPr lang="en-US" altLang="ko-KR" sz="1200" dirty="0" err="1">
+                <a:latin typeface="맑은 고딕" panose="020B0503020000020004" pitchFamily="50" charset="-127"/>
+                <a:ea typeface="맑은 고딕" panose="020B0503020000020004" pitchFamily="50" charset="-127"/>
+              </a:rPr>
+              <a:t>project_id</a:t>
+            </a:r>
+            <a:r>
+              <a:rPr lang="en-US" altLang="ko-KR" sz="1200" dirty="0">
+                <a:latin typeface="맑은 고딕" panose="020B0503020000020004" pitchFamily="50" charset="-127"/>
+                <a:ea typeface="맑은 고딕" panose="020B0503020000020004" pitchFamily="50" charset="-127"/>
+              </a:rPr>
+              <a:t> : </a:t>
+            </a:r>
+            <a:r>
+              <a:rPr lang="ko-KR" altLang="en-US" sz="1200" dirty="0">
+                <a:latin typeface="맑은 고딕" panose="020B0503020000020004" pitchFamily="50" charset="-127"/>
+                <a:ea typeface="맑은 고딕" panose="020B0503020000020004" pitchFamily="50" charset="-127"/>
+              </a:rPr>
+              <a:t>시나리오별 아이디</a:t>
+            </a:r>
+            <a:r>
+              <a:rPr lang="en-US" altLang="ko-KR" sz="1200" dirty="0">
+                <a:latin typeface="맑은 고딕" panose="020B0503020000020004" pitchFamily="50" charset="-127"/>
+                <a:ea typeface="맑은 고딕" panose="020B0503020000020004" pitchFamily="50" charset="-127"/>
+              </a:rPr>
+              <a:t> </a:t>
+            </a:r>
+            <a:r>
+              <a:rPr lang="ko-KR" altLang="en-US" sz="1200" dirty="0">
+                <a:latin typeface="맑은 고딕" panose="020B0503020000020004" pitchFamily="50" charset="-127"/>
+                <a:ea typeface="맑은 고딕" panose="020B0503020000020004" pitchFamily="50" charset="-127"/>
+              </a:rPr>
+              <a:t>값</a:t>
+            </a:r>
+            <a:endParaRPr lang="en-US" altLang="ko-KR" sz="1200" dirty="0">
+              <a:latin typeface="맑은 고딕" panose="020B0503020000020004" pitchFamily="50" charset="-127"/>
+              <a:ea typeface="맑은 고딕" panose="020B0503020000020004" pitchFamily="50" charset="-127"/>
+            </a:endParaRPr>
+          </a:p>
+          <a:p>
+            <a:pPr>
+              <a:lnSpc>
+                <a:spcPct val="200000"/>
+              </a:lnSpc>
+            </a:pPr>
+            <a:r>
+              <a:rPr lang="en-US" altLang="ko-KR" sz="1200" dirty="0" err="1">
+                <a:latin typeface="맑은 고딕" panose="020B0503020000020004" pitchFamily="50" charset="-127"/>
+                <a:ea typeface="맑은 고딕" panose="020B0503020000020004" pitchFamily="50" charset="-127"/>
+              </a:rPr>
+              <a:t>send_object_id</a:t>
+            </a:r>
+            <a:r>
+              <a:rPr lang="en-US" altLang="ko-KR" sz="1200" dirty="0">
+                <a:latin typeface="맑은 고딕" panose="020B0503020000020004" pitchFamily="50" charset="-127"/>
+                <a:ea typeface="맑은 고딕" panose="020B0503020000020004" pitchFamily="50" charset="-127"/>
+              </a:rPr>
+              <a:t> : </a:t>
+            </a:r>
+            <a:r>
+              <a:rPr lang="ko-KR" altLang="en-US" sz="1200" dirty="0">
+                <a:latin typeface="맑은 고딕" panose="020B0503020000020004" pitchFamily="50" charset="-127"/>
+                <a:ea typeface="맑은 고딕" panose="020B0503020000020004" pitchFamily="50" charset="-127"/>
+              </a:rPr>
+              <a:t>출력 설비 아이디 값 </a:t>
+            </a:r>
+            <a:endParaRPr lang="en-US" altLang="ko-KR" sz="1200" dirty="0">
+              <a:latin typeface="맑은 고딕" panose="020B0503020000020004" pitchFamily="50" charset="-127"/>
+              <a:ea typeface="맑은 고딕" panose="020B0503020000020004" pitchFamily="50" charset="-127"/>
+            </a:endParaRPr>
+          </a:p>
+          <a:p>
+            <a:pPr>
+              <a:lnSpc>
+                <a:spcPct val="200000"/>
+              </a:lnSpc>
+            </a:pPr>
+            <a:r>
+              <a:rPr lang="en-US" altLang="ko-KR" sz="1200" dirty="0" err="1">
+                <a:latin typeface="맑은 고딕" panose="020B0503020000020004" pitchFamily="50" charset="-127"/>
+                <a:ea typeface="맑은 고딕" panose="020B0503020000020004" pitchFamily="50" charset="-127"/>
+              </a:rPr>
+              <a:t>receive_object_id</a:t>
+            </a:r>
+            <a:r>
+              <a:rPr lang="en-US" altLang="ko-KR" sz="1200" dirty="0">
+                <a:latin typeface="맑은 고딕" panose="020B0503020000020004" pitchFamily="50" charset="-127"/>
+                <a:ea typeface="맑은 고딕" panose="020B0503020000020004" pitchFamily="50" charset="-127"/>
+              </a:rPr>
+              <a:t> : </a:t>
+            </a:r>
+            <a:r>
+              <a:rPr lang="ko-KR" altLang="en-US" sz="1200" dirty="0">
+                <a:latin typeface="맑은 고딕" panose="020B0503020000020004" pitchFamily="50" charset="-127"/>
+                <a:ea typeface="맑은 고딕" panose="020B0503020000020004" pitchFamily="50" charset="-127"/>
+              </a:rPr>
+              <a:t>입력 설비 아이디 값</a:t>
+            </a:r>
+          </a:p>
+        </p:txBody>
+      </p:sp>
       <p:pic>
         <p:nvPicPr>
-          <p:cNvPr id="6" name="그림 5" descr="텍스트이(가) 표시된 사진&#10;&#10;자동 생성된 설명">
-            <a:extLst>
-              <a:ext uri="{FF2B5EF4-FFF2-40B4-BE49-F238E27FC236}">
-                <a16:creationId xmlns:a16="http://schemas.microsoft.com/office/drawing/2014/main" id="{5A1E3422-0AF4-D860-CCB1-260A39EECA1C}"/>
+          <p:cNvPr id="15" name="그림 14" descr="테이블이(가) 표시된 사진&#10;&#10;자동 생성된 설명">
+            <a:extLst>
+              <a:ext uri="{FF2B5EF4-FFF2-40B4-BE49-F238E27FC236}">
+                <a16:creationId xmlns:a16="http://schemas.microsoft.com/office/drawing/2014/main" id="{F35EF210-082A-CFB2-9BF2-60629CAFA486}"/>
               </a:ext>
             </a:extLst>
           </p:cNvPr>
@@ -26847,171 +26926,6 @@
         </p:nvPicPr>
         <p:blipFill>
           <a:blip r:embed="rId3"/>
-          <a:stretch>
-            <a:fillRect/>
-          </a:stretch>
-        </p:blipFill>
-        <p:spPr>
-          <a:xfrm>
-            <a:off x="358480" y="1268760"/>
-            <a:ext cx="11475040" cy="1739989"/>
-          </a:xfrm>
-          <a:prstGeom prst="rect">
-            <a:avLst/>
-          </a:prstGeom>
-        </p:spPr>
-      </p:pic>
-      <p:sp>
-        <p:nvSpPr>
-          <p:cNvPr id="9" name="TextBox 8">
-            <a:extLst>
-              <a:ext uri="{FF2B5EF4-FFF2-40B4-BE49-F238E27FC236}">
-                <a16:creationId xmlns:a16="http://schemas.microsoft.com/office/drawing/2014/main" id="{7A4C5E42-EA13-5D11-D3A4-3EFE085FEF0D}"/>
-              </a:ext>
-            </a:extLst>
-          </p:cNvPr>
-          <p:cNvSpPr txBox="1"/>
-          <p:nvPr/>
-        </p:nvSpPr>
-        <p:spPr>
-          <a:xfrm>
-            <a:off x="4655840" y="3501008"/>
-            <a:ext cx="2898614" cy="1141531"/>
-          </a:xfrm>
-          <a:prstGeom prst="rect">
-            <a:avLst/>
-          </a:prstGeom>
-          <a:noFill/>
-        </p:spPr>
-        <p:txBody>
-          <a:bodyPr wrap="none" rtlCol="0">
-            <a:spAutoFit/>
-          </a:bodyPr>
-          <a:lstStyle/>
-          <a:p>
-            <a:pPr>
-              <a:lnSpc>
-                <a:spcPct val="200000"/>
-              </a:lnSpc>
-            </a:pPr>
-            <a:r>
-              <a:rPr lang="en-US" altLang="ko-KR" sz="1200" dirty="0" err="1">
-                <a:latin typeface="맑은 고딕" panose="020B0503020000020004" pitchFamily="50" charset="-127"/>
-                <a:ea typeface="맑은 고딕" panose="020B0503020000020004" pitchFamily="50" charset="-127"/>
-              </a:rPr>
-              <a:t>project_id</a:t>
-            </a:r>
-            <a:r>
-              <a:rPr lang="en-US" altLang="ko-KR" sz="1200" dirty="0">
-                <a:latin typeface="맑은 고딕" panose="020B0503020000020004" pitchFamily="50" charset="-127"/>
-                <a:ea typeface="맑은 고딕" panose="020B0503020000020004" pitchFamily="50" charset="-127"/>
-              </a:rPr>
-              <a:t> : </a:t>
-            </a:r>
-            <a:r>
-              <a:rPr lang="ko-KR" altLang="en-US" sz="1200" dirty="0">
-                <a:latin typeface="맑은 고딕" panose="020B0503020000020004" pitchFamily="50" charset="-127"/>
-                <a:ea typeface="맑은 고딕" panose="020B0503020000020004" pitchFamily="50" charset="-127"/>
-              </a:rPr>
-              <a:t>시나리오별 아이디</a:t>
-            </a:r>
-            <a:r>
-              <a:rPr lang="en-US" altLang="ko-KR" sz="1200" dirty="0">
-                <a:latin typeface="맑은 고딕" panose="020B0503020000020004" pitchFamily="50" charset="-127"/>
-                <a:ea typeface="맑은 고딕" panose="020B0503020000020004" pitchFamily="50" charset="-127"/>
-              </a:rPr>
-              <a:t> </a:t>
-            </a:r>
-            <a:r>
-              <a:rPr lang="ko-KR" altLang="en-US" sz="1200" dirty="0">
-                <a:latin typeface="맑은 고딕" panose="020B0503020000020004" pitchFamily="50" charset="-127"/>
-                <a:ea typeface="맑은 고딕" panose="020B0503020000020004" pitchFamily="50" charset="-127"/>
-              </a:rPr>
-              <a:t>값</a:t>
-            </a:r>
-            <a:endParaRPr lang="en-US" altLang="ko-KR" sz="1200" dirty="0">
-              <a:latin typeface="맑은 고딕" panose="020B0503020000020004" pitchFamily="50" charset="-127"/>
-              <a:ea typeface="맑은 고딕" panose="020B0503020000020004" pitchFamily="50" charset="-127"/>
-            </a:endParaRPr>
-          </a:p>
-          <a:p>
-            <a:pPr>
-              <a:lnSpc>
-                <a:spcPct val="200000"/>
-              </a:lnSpc>
-            </a:pPr>
-            <a:r>
-              <a:rPr lang="en-US" altLang="ko-KR" sz="1200" dirty="0" err="1">
-                <a:latin typeface="맑은 고딕" panose="020B0503020000020004" pitchFamily="50" charset="-127"/>
-                <a:ea typeface="맑은 고딕" panose="020B0503020000020004" pitchFamily="50" charset="-127"/>
-              </a:rPr>
-              <a:t>send_object_id</a:t>
-            </a:r>
-            <a:r>
-              <a:rPr lang="en-US" altLang="ko-KR" sz="1200" dirty="0">
-                <a:latin typeface="맑은 고딕" panose="020B0503020000020004" pitchFamily="50" charset="-127"/>
-                <a:ea typeface="맑은 고딕" panose="020B0503020000020004" pitchFamily="50" charset="-127"/>
-              </a:rPr>
-              <a:t> : </a:t>
-            </a:r>
-            <a:r>
-              <a:rPr lang="ko-KR" altLang="en-US" sz="1200" dirty="0">
-                <a:latin typeface="맑은 고딕" panose="020B0503020000020004" pitchFamily="50" charset="-127"/>
-                <a:ea typeface="맑은 고딕" panose="020B0503020000020004" pitchFamily="50" charset="-127"/>
-              </a:rPr>
-              <a:t>출력 설비 아이디 값 </a:t>
-            </a:r>
-            <a:endParaRPr lang="en-US" altLang="ko-KR" sz="1200" dirty="0">
-              <a:latin typeface="맑은 고딕" panose="020B0503020000020004" pitchFamily="50" charset="-127"/>
-              <a:ea typeface="맑은 고딕" panose="020B0503020000020004" pitchFamily="50" charset="-127"/>
-            </a:endParaRPr>
-          </a:p>
-          <a:p>
-            <a:pPr>
-              <a:lnSpc>
-                <a:spcPct val="200000"/>
-              </a:lnSpc>
-            </a:pPr>
-            <a:r>
-              <a:rPr lang="en-US" altLang="ko-KR" sz="1200" dirty="0" err="1">
-                <a:latin typeface="맑은 고딕" panose="020B0503020000020004" pitchFamily="50" charset="-127"/>
-                <a:ea typeface="맑은 고딕" panose="020B0503020000020004" pitchFamily="50" charset="-127"/>
-              </a:rPr>
-              <a:t>receive_object_id</a:t>
-            </a:r>
-            <a:r>
-              <a:rPr lang="en-US" altLang="ko-KR" sz="1200" dirty="0">
-                <a:latin typeface="맑은 고딕" panose="020B0503020000020004" pitchFamily="50" charset="-127"/>
-                <a:ea typeface="맑은 고딕" panose="020B0503020000020004" pitchFamily="50" charset="-127"/>
-              </a:rPr>
-              <a:t> : </a:t>
-            </a:r>
-            <a:r>
-              <a:rPr lang="ko-KR" altLang="en-US" sz="1200" dirty="0">
-                <a:latin typeface="맑은 고딕" panose="020B0503020000020004" pitchFamily="50" charset="-127"/>
-                <a:ea typeface="맑은 고딕" panose="020B0503020000020004" pitchFamily="50" charset="-127"/>
-              </a:rPr>
-              <a:t>입력 설비 아이디 값</a:t>
-            </a:r>
-          </a:p>
-        </p:txBody>
-      </p:sp>
-      <p:pic>
-        <p:nvPicPr>
-          <p:cNvPr id="15" name="그림 14" descr="테이블이(가) 표시된 사진&#10;&#10;자동 생성된 설명">
-            <a:extLst>
-              <a:ext uri="{FF2B5EF4-FFF2-40B4-BE49-F238E27FC236}">
-                <a16:creationId xmlns:a16="http://schemas.microsoft.com/office/drawing/2014/main" id="{F35EF210-082A-CFB2-9BF2-60629CAFA486}"/>
-              </a:ext>
-            </a:extLst>
-          </p:cNvPr>
-          <p:cNvPicPr>
-            <a:picLocks noChangeAspect="1"/>
-          </p:cNvPicPr>
-          <p:nvPr/>
-        </p:nvPicPr>
-        <p:blipFill>
-          <a:blip r:embed="rId4"/>
           <a:stretch>
             <a:fillRect/>
           </a:stretch>
@@ -27487,10 +27401,10 @@
       </p:sp>
       <p:pic>
         <p:nvPicPr>
-          <p:cNvPr id="11" name="그림 10" descr="텍스트이(가) 표시된 사진&#10;&#10;자동 생성된 설명">
-            <a:extLst>
-              <a:ext uri="{FF2B5EF4-FFF2-40B4-BE49-F238E27FC236}">
-                <a16:creationId xmlns:a16="http://schemas.microsoft.com/office/drawing/2014/main" id="{EBFBDD10-09D6-988D-3B53-64FD3A60A15E}"/>
+          <p:cNvPr id="13" name="그림 12" descr="테이블이(가) 표시된 사진&#10;&#10;자동 생성된 설명">
+            <a:extLst>
+              <a:ext uri="{FF2B5EF4-FFF2-40B4-BE49-F238E27FC236}">
+                <a16:creationId xmlns:a16="http://schemas.microsoft.com/office/drawing/2014/main" id="{09F8B1DD-F599-8915-4F1C-D397C3E001B1}"/>
               </a:ext>
             </a:extLst>
           </p:cNvPr>
@@ -27501,36 +27415,6 @@
         </p:nvPicPr>
         <p:blipFill>
           <a:blip r:embed="rId3"/>
-          <a:stretch>
-            <a:fillRect/>
-          </a:stretch>
-        </p:blipFill>
-        <p:spPr>
-          <a:xfrm>
-            <a:off x="335361" y="1268760"/>
-            <a:ext cx="5003762" cy="2952328"/>
-          </a:xfrm>
-          <a:prstGeom prst="rect">
-            <a:avLst/>
-          </a:prstGeom>
-        </p:spPr>
-      </p:pic>
-      <p:pic>
-        <p:nvPicPr>
-          <p:cNvPr id="13" name="그림 12" descr="테이블이(가) 표시된 사진&#10;&#10;자동 생성된 설명">
-            <a:extLst>
-              <a:ext uri="{FF2B5EF4-FFF2-40B4-BE49-F238E27FC236}">
-                <a16:creationId xmlns:a16="http://schemas.microsoft.com/office/drawing/2014/main" id="{09F8B1DD-F599-8915-4F1C-D397C3E001B1}"/>
-              </a:ext>
-            </a:extLst>
-          </p:cNvPr>
-          <p:cNvPicPr>
-            <a:picLocks noChangeAspect="1"/>
-          </p:cNvPicPr>
-          <p:nvPr/>
-        </p:nvPicPr>
-        <p:blipFill>
-          <a:blip r:embed="rId4"/>
           <a:stretch>
             <a:fillRect/>
           </a:stretch>
@@ -28027,10 +27911,10 @@
       </p:sp>
       <p:pic>
         <p:nvPicPr>
-          <p:cNvPr id="6" name="그림 5" descr="텍스트이(가) 표시된 사진&#10;&#10;자동 생성된 설명">
-            <a:extLst>
-              <a:ext uri="{FF2B5EF4-FFF2-40B4-BE49-F238E27FC236}">
-                <a16:creationId xmlns:a16="http://schemas.microsoft.com/office/drawing/2014/main" id="{FB2774FE-5512-1A65-EFBB-AFB9FCA96172}"/>
+          <p:cNvPr id="10" name="그림 9" descr="테이블이(가) 표시된 사진&#10;&#10;자동 생성된 설명">
+            <a:extLst>
+              <a:ext uri="{FF2B5EF4-FFF2-40B4-BE49-F238E27FC236}">
+                <a16:creationId xmlns:a16="http://schemas.microsoft.com/office/drawing/2014/main" id="{E3814746-FF05-3235-D95E-67080BE1727A}"/>
               </a:ext>
             </a:extLst>
           </p:cNvPr>
@@ -28041,36 +27925,6 @@
         </p:nvPicPr>
         <p:blipFill>
           <a:blip r:embed="rId3"/>
-          <a:stretch>
-            <a:fillRect/>
-          </a:stretch>
-        </p:blipFill>
-        <p:spPr>
-          <a:xfrm>
-            <a:off x="335359" y="1268760"/>
-            <a:ext cx="5040561" cy="3299067"/>
-          </a:xfrm>
-          <a:prstGeom prst="rect">
-            <a:avLst/>
-          </a:prstGeom>
-        </p:spPr>
-      </p:pic>
-      <p:pic>
-        <p:nvPicPr>
-          <p:cNvPr id="10" name="그림 9" descr="테이블이(가) 표시된 사진&#10;&#10;자동 생성된 설명">
-            <a:extLst>
-              <a:ext uri="{FF2B5EF4-FFF2-40B4-BE49-F238E27FC236}">
-                <a16:creationId xmlns:a16="http://schemas.microsoft.com/office/drawing/2014/main" id="{E3814746-FF05-3235-D95E-67080BE1727A}"/>
-              </a:ext>
-            </a:extLst>
-          </p:cNvPr>
-          <p:cNvPicPr>
-            <a:picLocks noChangeAspect="1"/>
-          </p:cNvPicPr>
-          <p:nvPr/>
-        </p:nvPicPr>
-        <p:blipFill>
-          <a:blip r:embed="rId4"/>
           <a:stretch>
             <a:fillRect/>
           </a:stretch>
@@ -48513,34 +48367,6 @@
 </file>
 
 <file path=customXml/item1.xml><?xml version="1.0" encoding="utf-8"?>
-<p:properties xmlns:p="http://schemas.microsoft.com/office/2006/metadata/properties" xmlns:xsi="http://www.w3.org/2001/XMLSchema-instance" xmlns:pc="http://schemas.microsoft.com/office/infopath/2007/PartnerControls">
-  <documentManagement>
-    <_ip_UnifiedCompliancePolicyUIAction xmlns="http://schemas.microsoft.com/sharepoint/v3" xsi:nil="true"/>
-    <Image xmlns="71af3243-3dd4-4a8d-8c0d-dd76da1f02a5">
-      <Url xsi:nil="true"/>
-      <Description xsi:nil="true"/>
-    </Image>
-    <Status xmlns="71af3243-3dd4-4a8d-8c0d-dd76da1f02a5">Not started</Status>
-    <_ip_UnifiedCompliancePolicyProperties xmlns="http://schemas.microsoft.com/sharepoint/v3" xsi:nil="true"/>
-    <ImageTagsTaxHTField xmlns="71af3243-3dd4-4a8d-8c0d-dd76da1f02a5">
-      <Terms xmlns="http://schemas.microsoft.com/office/infopath/2007/PartnerControls"/>
-    </ImageTagsTaxHTField>
-    <TaxCatchAll xmlns="230e9df3-be65-4c73-a93b-d1236ebd677e"/>
-    <MediaServiceKeyPoints xmlns="71af3243-3dd4-4a8d-8c0d-dd76da1f02a5" xsi:nil="true"/>
-  </documentManagement>
-</p:properties>
-</file>
-
-<file path=customXml/item2.xml><?xml version="1.0" encoding="utf-8"?>
-<?mso-contentType ?>
-<FormTemplates xmlns="http://schemas.microsoft.com/sharepoint/v3/contenttype/forms">
-  <Display>DocumentLibraryForm</Display>
-  <Edit>DocumentLibraryForm</Edit>
-  <New>DocumentLibraryForm</New>
-</FormTemplates>
-</file>
-
-<file path=customXml/item3.xml><?xml version="1.0" encoding="utf-8"?>
 <ct:contentTypeSchema xmlns:ct="http://schemas.microsoft.com/office/2006/metadata/contentType" xmlns:ma="http://schemas.microsoft.com/office/2006/metadata/properties/metaAttributes" ct:_="" ma:_="" ma:contentTypeName="Document" ma:contentTypeID="0x01010079F111ED35F8CC479449609E8A0923A6" ma:contentTypeVersion="20" ma:contentTypeDescription="Create a new document." ma:contentTypeScope="" ma:versionID="1267097ee5f5874adfcc408041ae252e">
   <xsd:schema xmlns:xsd="http://www.w3.org/2001/XMLSchema" xmlns:xs="http://www.w3.org/2001/XMLSchema" xmlns:p="http://schemas.microsoft.com/office/2006/metadata/properties" xmlns:ns1="http://schemas.microsoft.com/sharepoint/v3" xmlns:ns2="71af3243-3dd4-4a8d-8c0d-dd76da1f02a5" xmlns:ns3="16c05727-aa75-4e4a-9b5f-8a80a1165891" xmlns:ns4="230e9df3-be65-4c73-a93b-d1236ebd677e" targetNamespace="http://schemas.microsoft.com/office/2006/metadata/properties" ma:root="true" ma:fieldsID="395891a93df65b14727750f2c06c306c" ns1:_="" ns2:_="" ns3:_="" ns4:_="">
     <xsd:import namespace="http://schemas.microsoft.com/sharepoint/v3"/>
@@ -48816,27 +48642,35 @@
 </ct:contentTypeSchema>
 </file>
 
-<file path=customXml/itemProps1.xml><?xml version="1.0" encoding="utf-8"?>
-<ds:datastoreItem xmlns:ds="http://schemas.openxmlformats.org/officeDocument/2006/customXml" ds:itemID="{B5BA3906-9696-4247-AC0D-DD5C26B2A70A}">
-  <ds:schemaRefs>
-    <ds:schemaRef ds:uri="http://schemas.microsoft.com/office/2006/metadata/properties"/>
-    <ds:schemaRef ds:uri="http://schemas.microsoft.com/office/infopath/2007/PartnerControls"/>
-    <ds:schemaRef ds:uri="http://schemas.microsoft.com/sharepoint/v3"/>
-    <ds:schemaRef ds:uri="71af3243-3dd4-4a8d-8c0d-dd76da1f02a5"/>
-    <ds:schemaRef ds:uri="230e9df3-be65-4c73-a93b-d1236ebd677e"/>
-  </ds:schemaRefs>
-</ds:datastoreItem>
+<file path=customXml/item2.xml><?xml version="1.0" encoding="utf-8"?>
+<p:properties xmlns:p="http://schemas.microsoft.com/office/2006/metadata/properties" xmlns:xsi="http://www.w3.org/2001/XMLSchema-instance" xmlns:pc="http://schemas.microsoft.com/office/infopath/2007/PartnerControls">
+  <documentManagement>
+    <_ip_UnifiedCompliancePolicyUIAction xmlns="http://schemas.microsoft.com/sharepoint/v3" xsi:nil="true"/>
+    <Image xmlns="71af3243-3dd4-4a8d-8c0d-dd76da1f02a5">
+      <Url xsi:nil="true"/>
+      <Description xsi:nil="true"/>
+    </Image>
+    <Status xmlns="71af3243-3dd4-4a8d-8c0d-dd76da1f02a5">Not started</Status>
+    <_ip_UnifiedCompliancePolicyProperties xmlns="http://schemas.microsoft.com/sharepoint/v3" xsi:nil="true"/>
+    <ImageTagsTaxHTField xmlns="71af3243-3dd4-4a8d-8c0d-dd76da1f02a5">
+      <Terms xmlns="http://schemas.microsoft.com/office/infopath/2007/PartnerControls"/>
+    </ImageTagsTaxHTField>
+    <TaxCatchAll xmlns="230e9df3-be65-4c73-a93b-d1236ebd677e"/>
+    <MediaServiceKeyPoints xmlns="71af3243-3dd4-4a8d-8c0d-dd76da1f02a5" xsi:nil="true"/>
+  </documentManagement>
+</p:properties>
 </file>
 
-<file path=customXml/itemProps2.xml><?xml version="1.0" encoding="utf-8"?>
-<ds:datastoreItem xmlns:ds="http://schemas.openxmlformats.org/officeDocument/2006/customXml" ds:itemID="{2D446390-8521-40A2-A462-EA068123BED9}">
-  <ds:schemaRefs>
-    <ds:schemaRef ds:uri="http://schemas.microsoft.com/sharepoint/v3/contenttype/forms"/>
-  </ds:schemaRefs>
-</ds:datastoreItem>
+<file path=customXml/item3.xml><?xml version="1.0" encoding="utf-8"?>
+<?mso-contentType ?>
+<FormTemplates xmlns="http://schemas.microsoft.com/sharepoint/v3/contenttype/forms">
+  <Display>DocumentLibraryForm</Display>
+  <Edit>DocumentLibraryForm</Edit>
+  <New>DocumentLibraryForm</New>
+</FormTemplates>
 </file>
 
-<file path=customXml/itemProps3.xml><?xml version="1.0" encoding="utf-8"?>
+<file path=customXml/itemProps1.xml><?xml version="1.0" encoding="utf-8"?>
 <ds:datastoreItem xmlns:ds="http://schemas.openxmlformats.org/officeDocument/2006/customXml" ds:itemID="{01E84A1C-2814-43A7-9448-348326113A45}">
   <ds:schemaRefs>
     <ds:schemaRef ds:uri="http://schemas.microsoft.com/office/2006/metadata/contentType"/>
@@ -48857,6 +48691,26 @@
 </ds:datastoreItem>
 </file>
 
+<file path=customXml/itemProps2.xml><?xml version="1.0" encoding="utf-8"?>
+<ds:datastoreItem xmlns:ds="http://schemas.openxmlformats.org/officeDocument/2006/customXml" ds:itemID="{B5BA3906-9696-4247-AC0D-DD5C26B2A70A}">
+  <ds:schemaRefs>
+    <ds:schemaRef ds:uri="http://schemas.microsoft.com/office/2006/metadata/properties"/>
+    <ds:schemaRef ds:uri="http://schemas.microsoft.com/office/infopath/2007/PartnerControls"/>
+    <ds:schemaRef ds:uri="http://schemas.microsoft.com/sharepoint/v3"/>
+    <ds:schemaRef ds:uri="71af3243-3dd4-4a8d-8c0d-dd76da1f02a5"/>
+    <ds:schemaRef ds:uri="230e9df3-be65-4c73-a93b-d1236ebd677e"/>
+  </ds:schemaRefs>
+</ds:datastoreItem>
+</file>
+
+<file path=customXml/itemProps3.xml><?xml version="1.0" encoding="utf-8"?>
+<ds:datastoreItem xmlns:ds="http://schemas.openxmlformats.org/officeDocument/2006/customXml" ds:itemID="{2D446390-8521-40A2-A462-EA068123BED9}">
+  <ds:schemaRefs>
+    <ds:schemaRef ds:uri="http://schemas.microsoft.com/sharepoint/v3/contenttype/forms"/>
+  </ds:schemaRefs>
+</ds:datastoreItem>
+</file>
+
 <file path=docMetadata/LabelInfo.xml><?xml version="1.0" encoding="utf-8"?>
 <clbl:labelList xmlns:clbl="http://schemas.microsoft.com/office/2020/mipLabelMetadata">
   <clbl:label id="{f42aa342-8706-4288-bd11-ebb85995028c}" enabled="1" method="Standard" siteId="{72f988bf-86f1-41af-91ab-2d7cd011db47}" removed="0"/>
